--- a/psychometric_scale/stuff/instructionsFSS.pptx
+++ b/psychometric_scale/stuff/instructionsFSS.pptx
@@ -241,7 +241,7 @@
           <a:p>
             <a:fld id="{44A49107-9334-444B-909C-23B4DE8E069D}" type="datetimeFigureOut">
               <a:rPr lang="fr-FR" smtClean="0"/>
-              <a:t>15/04/2018</a:t>
+              <a:t>30/05/2018</a:t>
             </a:fld>
             <a:endParaRPr lang="fr-FR"/>
           </a:p>
@@ -283,7 +283,7 @@
           <a:p>
             <a:fld id="{8E474E87-316C-4201-83D8-6EEAD59357E5}" type="slidenum">
               <a:rPr lang="fr-FR" smtClean="0"/>
-              <a:t>‹N°›</a:t>
+              <a:t>‹#›</a:t>
             </a:fld>
             <a:endParaRPr lang="fr-FR"/>
           </a:p>
@@ -409,7 +409,7 @@
           <a:p>
             <a:fld id="{44A49107-9334-444B-909C-23B4DE8E069D}" type="datetimeFigureOut">
               <a:rPr lang="fr-FR" smtClean="0"/>
-              <a:t>15/04/2018</a:t>
+              <a:t>30/05/2018</a:t>
             </a:fld>
             <a:endParaRPr lang="fr-FR"/>
           </a:p>
@@ -451,7 +451,7 @@
           <a:p>
             <a:fld id="{8E474E87-316C-4201-83D8-6EEAD59357E5}" type="slidenum">
               <a:rPr lang="fr-FR" smtClean="0"/>
-              <a:t>‹N°›</a:t>
+              <a:t>‹#›</a:t>
             </a:fld>
             <a:endParaRPr lang="fr-FR"/>
           </a:p>
@@ -587,7 +587,7 @@
           <a:p>
             <a:fld id="{44A49107-9334-444B-909C-23B4DE8E069D}" type="datetimeFigureOut">
               <a:rPr lang="fr-FR" smtClean="0"/>
-              <a:t>15/04/2018</a:t>
+              <a:t>30/05/2018</a:t>
             </a:fld>
             <a:endParaRPr lang="fr-FR"/>
           </a:p>
@@ -629,7 +629,7 @@
           <a:p>
             <a:fld id="{8E474E87-316C-4201-83D8-6EEAD59357E5}" type="slidenum">
               <a:rPr lang="fr-FR" smtClean="0"/>
-              <a:t>‹N°›</a:t>
+              <a:t>‹#›</a:t>
             </a:fld>
             <a:endParaRPr lang="fr-FR"/>
           </a:p>
@@ -755,7 +755,7 @@
           <a:p>
             <a:fld id="{44A49107-9334-444B-909C-23B4DE8E069D}" type="datetimeFigureOut">
               <a:rPr lang="fr-FR" smtClean="0"/>
-              <a:t>15/04/2018</a:t>
+              <a:t>30/05/2018</a:t>
             </a:fld>
             <a:endParaRPr lang="fr-FR"/>
           </a:p>
@@ -797,7 +797,7 @@
           <a:p>
             <a:fld id="{8E474E87-316C-4201-83D8-6EEAD59357E5}" type="slidenum">
               <a:rPr lang="fr-FR" smtClean="0"/>
-              <a:t>‹N°›</a:t>
+              <a:t>‹#›</a:t>
             </a:fld>
             <a:endParaRPr lang="fr-FR"/>
           </a:p>
@@ -1000,7 +1000,7 @@
           <a:p>
             <a:fld id="{44A49107-9334-444B-909C-23B4DE8E069D}" type="datetimeFigureOut">
               <a:rPr lang="fr-FR" smtClean="0"/>
-              <a:t>15/04/2018</a:t>
+              <a:t>30/05/2018</a:t>
             </a:fld>
             <a:endParaRPr lang="fr-FR"/>
           </a:p>
@@ -1042,7 +1042,7 @@
           <a:p>
             <a:fld id="{8E474E87-316C-4201-83D8-6EEAD59357E5}" type="slidenum">
               <a:rPr lang="fr-FR" smtClean="0"/>
-              <a:t>‹N°›</a:t>
+              <a:t>‹#›</a:t>
             </a:fld>
             <a:endParaRPr lang="fr-FR"/>
           </a:p>
@@ -1229,7 +1229,7 @@
           <a:p>
             <a:fld id="{44A49107-9334-444B-909C-23B4DE8E069D}" type="datetimeFigureOut">
               <a:rPr lang="fr-FR" smtClean="0"/>
-              <a:t>15/04/2018</a:t>
+              <a:t>30/05/2018</a:t>
             </a:fld>
             <a:endParaRPr lang="fr-FR"/>
           </a:p>
@@ -1271,7 +1271,7 @@
           <a:p>
             <a:fld id="{8E474E87-316C-4201-83D8-6EEAD59357E5}" type="slidenum">
               <a:rPr lang="fr-FR" smtClean="0"/>
-              <a:t>‹N°›</a:t>
+              <a:t>‹#›</a:t>
             </a:fld>
             <a:endParaRPr lang="fr-FR"/>
           </a:p>
@@ -1593,7 +1593,7 @@
           <a:p>
             <a:fld id="{44A49107-9334-444B-909C-23B4DE8E069D}" type="datetimeFigureOut">
               <a:rPr lang="fr-FR" smtClean="0"/>
-              <a:t>15/04/2018</a:t>
+              <a:t>30/05/2018</a:t>
             </a:fld>
             <a:endParaRPr lang="fr-FR"/>
           </a:p>
@@ -1635,7 +1635,7 @@
           <a:p>
             <a:fld id="{8E474E87-316C-4201-83D8-6EEAD59357E5}" type="slidenum">
               <a:rPr lang="fr-FR" smtClean="0"/>
-              <a:t>‹N°›</a:t>
+              <a:t>‹#›</a:t>
             </a:fld>
             <a:endParaRPr lang="fr-FR"/>
           </a:p>
@@ -1710,7 +1710,7 @@
           <a:p>
             <a:fld id="{44A49107-9334-444B-909C-23B4DE8E069D}" type="datetimeFigureOut">
               <a:rPr lang="fr-FR" smtClean="0"/>
-              <a:t>15/04/2018</a:t>
+              <a:t>30/05/2018</a:t>
             </a:fld>
             <a:endParaRPr lang="fr-FR"/>
           </a:p>
@@ -1752,7 +1752,7 @@
           <a:p>
             <a:fld id="{8E474E87-316C-4201-83D8-6EEAD59357E5}" type="slidenum">
               <a:rPr lang="fr-FR" smtClean="0"/>
-              <a:t>‹N°›</a:t>
+              <a:t>‹#›</a:t>
             </a:fld>
             <a:endParaRPr lang="fr-FR"/>
           </a:p>
@@ -1805,7 +1805,7 @@
           <a:p>
             <a:fld id="{44A49107-9334-444B-909C-23B4DE8E069D}" type="datetimeFigureOut">
               <a:rPr lang="fr-FR" smtClean="0"/>
-              <a:t>15/04/2018</a:t>
+              <a:t>30/05/2018</a:t>
             </a:fld>
             <a:endParaRPr lang="fr-FR"/>
           </a:p>
@@ -1847,7 +1847,7 @@
           <a:p>
             <a:fld id="{8E474E87-316C-4201-83D8-6EEAD59357E5}" type="slidenum">
               <a:rPr lang="fr-FR" smtClean="0"/>
-              <a:t>‹N°›</a:t>
+              <a:t>‹#›</a:t>
             </a:fld>
             <a:endParaRPr lang="fr-FR"/>
           </a:p>
@@ -2080,7 +2080,7 @@
           <a:p>
             <a:fld id="{44A49107-9334-444B-909C-23B4DE8E069D}" type="datetimeFigureOut">
               <a:rPr lang="fr-FR" smtClean="0"/>
-              <a:t>15/04/2018</a:t>
+              <a:t>30/05/2018</a:t>
             </a:fld>
             <a:endParaRPr lang="fr-FR"/>
           </a:p>
@@ -2122,7 +2122,7 @@
           <a:p>
             <a:fld id="{8E474E87-316C-4201-83D8-6EEAD59357E5}" type="slidenum">
               <a:rPr lang="fr-FR" smtClean="0"/>
-              <a:t>‹N°›</a:t>
+              <a:t>‹#›</a:t>
             </a:fld>
             <a:endParaRPr lang="fr-FR"/>
           </a:p>
@@ -2332,7 +2332,7 @@
           <a:p>
             <a:fld id="{44A49107-9334-444B-909C-23B4DE8E069D}" type="datetimeFigureOut">
               <a:rPr lang="fr-FR" smtClean="0"/>
-              <a:t>15/04/2018</a:t>
+              <a:t>30/05/2018</a:t>
             </a:fld>
             <a:endParaRPr lang="fr-FR"/>
           </a:p>
@@ -2374,7 +2374,7 @@
           <a:p>
             <a:fld id="{8E474E87-316C-4201-83D8-6EEAD59357E5}" type="slidenum">
               <a:rPr lang="fr-FR" smtClean="0"/>
-              <a:t>‹N°›</a:t>
+              <a:t>‹#›</a:t>
             </a:fld>
             <a:endParaRPr lang="fr-FR"/>
           </a:p>
@@ -2543,7 +2543,7 @@
           <a:p>
             <a:fld id="{44A49107-9334-444B-909C-23B4DE8E069D}" type="datetimeFigureOut">
               <a:rPr lang="fr-FR" smtClean="0"/>
-              <a:t>15/04/2018</a:t>
+              <a:t>30/05/2018</a:t>
             </a:fld>
             <a:endParaRPr lang="fr-FR"/>
           </a:p>
@@ -2621,7 +2621,7 @@
           <a:p>
             <a:fld id="{8E474E87-316C-4201-83D8-6EEAD59357E5}" type="slidenum">
               <a:rPr lang="fr-FR" smtClean="0"/>
-              <a:t>‹N°›</a:t>
+              <a:t>‹#›</a:t>
             </a:fld>
             <a:endParaRPr lang="fr-FR"/>
           </a:p>
@@ -2964,8 +2964,8 @@
         </p:nvSpPr>
         <p:spPr>
           <a:xfrm>
-            <a:off x="367392" y="1412422"/>
-            <a:ext cx="11291207" cy="3539430"/>
+            <a:off x="450397" y="520325"/>
+            <a:ext cx="11291207" cy="5509200"/>
           </a:xfrm>
           <a:prstGeom prst="rect">
             <a:avLst/>
@@ -2980,6 +2980,60 @@
           <a:p>
             <a:pPr algn="ctr"/>
             <a:r>
+              <a:rPr lang="fr-FR" sz="3200" b="1" dirty="0">
+                <a:solidFill>
+                  <a:schemeClr val="bg1"/>
+                </a:solidFill>
+              </a:rPr>
+              <a:t>É</a:t>
+            </a:r>
+            <a:r>
+              <a:rPr lang="fr-FR" sz="3200" b="1">
+                <a:solidFill>
+                  <a:schemeClr val="bg1"/>
+                </a:solidFill>
+              </a:rPr>
+              <a:t>CHELLE </a:t>
+            </a:r>
+            <a:r>
+              <a:rPr lang="fr-FR" sz="3200" b="1" dirty="0">
+                <a:solidFill>
+                  <a:schemeClr val="bg1"/>
+                </a:solidFill>
+              </a:rPr>
+              <a:t>DE SÉVÉRITÉ DE FATIGUE</a:t>
+            </a:r>
+          </a:p>
+          <a:p>
+            <a:pPr algn="ctr"/>
+            <a:r>
+              <a:rPr lang="fr-FR" sz="3200" b="1" dirty="0">
+                <a:solidFill>
+                  <a:schemeClr val="bg1"/>
+                </a:solidFill>
+              </a:rPr>
+              <a:t>(FSS)</a:t>
+            </a:r>
+          </a:p>
+          <a:p>
+            <a:pPr algn="ctr"/>
+            <a:endParaRPr lang="fr-FR" sz="3200" b="1" dirty="0">
+              <a:solidFill>
+                <a:schemeClr val="bg1"/>
+              </a:solidFill>
+            </a:endParaRPr>
+          </a:p>
+          <a:p>
+            <a:pPr algn="ctr"/>
+            <a:endParaRPr lang="fr-FR" sz="3200" dirty="0">
+              <a:solidFill>
+                <a:schemeClr val="bg1"/>
+              </a:solidFill>
+            </a:endParaRPr>
+          </a:p>
+          <a:p>
+            <a:pPr algn="ctr"/>
+            <a:r>
               <a:rPr lang="fr-FR" sz="3200" dirty="0">
                 <a:solidFill>
                   <a:schemeClr val="bg1"/>
@@ -2999,20 +3053,12 @@
           <a:p>
             <a:pPr algn="ctr"/>
             <a:r>
-              <a:rPr lang="fr-FR" sz="3200">
-                <a:solidFill>
-                  <a:schemeClr val="bg1"/>
-                </a:solidFill>
-              </a:rPr>
-              <a:t>Une </a:t>
-            </a:r>
-            <a:r>
               <a:rPr lang="fr-FR" sz="3200" dirty="0">
                 <a:solidFill>
                   <a:schemeClr val="bg1"/>
                 </a:solidFill>
               </a:rPr>
-              <a:t>valeur basse indique que l’affirmation ne s’applique pas tout à fait ou pas du tout, tandis qu’une valeur élevée indique que l’affirmation s’applique fortement à votre état ou à ce que vous avez ressenti au cours de la semaine passée.</a:t>
+              <a:t>Une valeur basse indique que l’affirmation ne s’applique pas tout à fait ou pas du tout, tandis qu’une valeur élevée indique que l’affirmation s’applique fortement à votre état ou à ce que vous avez ressenti au cours de la semaine passée.</a:t>
             </a:r>
           </a:p>
         </p:txBody>
